--- a/ppt/02_OCI-Walkthrough.pptx
+++ b/ppt/02_OCI-Walkthrough.pptx
@@ -5,18 +5,20 @@
     <p:sldMasterId id="2147483663" r:id="rId4"/>
   </p:sldMasterIdLst>
   <p:notesMasterIdLst>
-    <p:notesMasterId r:id="rId6"/>
+    <p:notesMasterId r:id="rId8"/>
   </p:notesMasterIdLst>
   <p:handoutMasterIdLst>
-    <p:handoutMasterId r:id="rId7"/>
+    <p:handoutMasterId r:id="rId9"/>
   </p:handoutMasterIdLst>
   <p:sldIdLst>
     <p:sldId id="343" r:id="rId5"/>
+    <p:sldId id="344" r:id="rId6"/>
+    <p:sldId id="345" r:id="rId7"/>
   </p:sldIdLst>
   <p:sldSz cx="12192000" cy="6858000"/>
   <p:notesSz cx="6834188" cy="9979025"/>
   <p:custDataLst>
-    <p:tags r:id="rId8"/>
+    <p:tags r:id="rId10"/>
   </p:custDataLst>
   <p:defaultTextStyle>
     <a:defPPr>
@@ -7285,6 +7287,10 @@
           <a:bodyPr/>
           <a:lstStyle/>
           <a:p>
+            <a:r>
+              <a:rPr lang="de-CH" noProof="0"/>
+              <a:t>OCI Walkthrough</a:t>
+            </a:r>
             <a:endParaRPr lang="de-CH" noProof="0" dirty="0"/>
           </a:p>
         </p:txBody>
@@ -7310,7 +7316,15 @@
           <a:bodyPr/>
           <a:lstStyle/>
           <a:p>
-            <a:endParaRPr lang="en-CH"/>
+            <a:r>
+              <a:rPr lang="en-CH" dirty="0"/>
+              <a:t>DOAG </a:t>
+            </a:r>
+            <a:r>
+              <a:rPr lang="de-CH" noProof="0" dirty="0"/>
+              <a:t>OCI Kickstart Workshop</a:t>
+            </a:r>
+            <a:endParaRPr lang="en-CH" dirty="0"/>
           </a:p>
         </p:txBody>
       </p:sp>
@@ -7318,6 +7332,166 @@
     <p:extLst>
       <p:ext uri="{BB962C8B-B14F-4D97-AF65-F5344CB8AC3E}">
         <p14:creationId xmlns:p14="http://schemas.microsoft.com/office/powerpoint/2010/main" val="3204987522"/>
+      </p:ext>
+    </p:extLst>
+  </p:cSld>
+  <p:clrMapOvr>
+    <a:masterClrMapping/>
+  </p:clrMapOvr>
+</p:sld>
+</file>
+
+<file path=ppt/slides/slide2.xml><?xml version="1.0" encoding="utf-8"?>
+<p:sld xmlns:a="http://schemas.openxmlformats.org/drawingml/2006/main" xmlns:r="http://schemas.openxmlformats.org/officeDocument/2006/relationships" xmlns:p="http://schemas.openxmlformats.org/presentationml/2006/main">
+  <p:cSld>
+    <p:spTree>
+      <p:nvGrpSpPr>
+        <p:cNvPr id="1" name=""/>
+        <p:cNvGrpSpPr/>
+        <p:nvPr/>
+      </p:nvGrpSpPr>
+      <p:grpSpPr>
+        <a:xfrm>
+          <a:off x="0" y="0"/>
+          <a:ext cx="0" cy="0"/>
+          <a:chOff x="0" y="0"/>
+          <a:chExt cx="0" cy="0"/>
+        </a:xfrm>
+      </p:grpSpPr>
+      <p:sp>
+        <p:nvSpPr>
+          <p:cNvPr id="4" name="Title 3">
+            <a:extLst>
+              <a:ext uri="{FF2B5EF4-FFF2-40B4-BE49-F238E27FC236}">
+                <a16:creationId xmlns:a16="http://schemas.microsoft.com/office/drawing/2014/main" id="{F07ECF3C-A04A-4C47-B240-528CD7D39C31}"/>
+              </a:ext>
+            </a:extLst>
+          </p:cNvPr>
+          <p:cNvSpPr>
+            <a:spLocks noGrp="1"/>
+          </p:cNvSpPr>
+          <p:nvPr>
+            <p:ph type="title"/>
+          </p:nvPr>
+        </p:nvSpPr>
+        <p:spPr/>
+        <p:txBody>
+          <a:bodyPr/>
+          <a:lstStyle/>
+          <a:p>
+            <a:endParaRPr lang="en-CH"/>
+          </a:p>
+        </p:txBody>
+      </p:sp>
+      <p:sp>
+        <p:nvSpPr>
+          <p:cNvPr id="5" name="Text Placeholder 4">
+            <a:extLst>
+              <a:ext uri="{FF2B5EF4-FFF2-40B4-BE49-F238E27FC236}">
+                <a16:creationId xmlns:a16="http://schemas.microsoft.com/office/drawing/2014/main" id="{CA88D156-6762-E4A2-B760-5F10CD25A9C9}"/>
+              </a:ext>
+            </a:extLst>
+          </p:cNvPr>
+          <p:cNvSpPr>
+            <a:spLocks noGrp="1"/>
+          </p:cNvSpPr>
+          <p:nvPr>
+            <p:ph type="body" sz="quarter" idx="10"/>
+          </p:nvPr>
+        </p:nvSpPr>
+        <p:spPr/>
+        <p:txBody>
+          <a:bodyPr/>
+          <a:lstStyle/>
+          <a:p>
+            <a:endParaRPr lang="en-CH"/>
+          </a:p>
+        </p:txBody>
+      </p:sp>
+    </p:spTree>
+    <p:extLst>
+      <p:ext uri="{BB962C8B-B14F-4D97-AF65-F5344CB8AC3E}">
+        <p14:creationId xmlns:p14="http://schemas.microsoft.com/office/powerpoint/2010/main" val="740470740"/>
+      </p:ext>
+    </p:extLst>
+  </p:cSld>
+  <p:clrMapOvr>
+    <a:masterClrMapping/>
+  </p:clrMapOvr>
+</p:sld>
+</file>
+
+<file path=ppt/slides/slide3.xml><?xml version="1.0" encoding="utf-8"?>
+<p:sld xmlns:a="http://schemas.openxmlformats.org/drawingml/2006/main" xmlns:r="http://schemas.openxmlformats.org/officeDocument/2006/relationships" xmlns:p="http://schemas.openxmlformats.org/presentationml/2006/main">
+  <p:cSld>
+    <p:spTree>
+      <p:nvGrpSpPr>
+        <p:cNvPr id="1" name=""/>
+        <p:cNvGrpSpPr/>
+        <p:nvPr/>
+      </p:nvGrpSpPr>
+      <p:grpSpPr>
+        <a:xfrm>
+          <a:off x="0" y="0"/>
+          <a:ext cx="0" cy="0"/>
+          <a:chOff x="0" y="0"/>
+          <a:chExt cx="0" cy="0"/>
+        </a:xfrm>
+      </p:grpSpPr>
+      <p:sp>
+        <p:nvSpPr>
+          <p:cNvPr id="4" name="Title 3">
+            <a:extLst>
+              <a:ext uri="{FF2B5EF4-FFF2-40B4-BE49-F238E27FC236}">
+                <a16:creationId xmlns:a16="http://schemas.microsoft.com/office/drawing/2014/main" id="{E7681C82-EF58-3836-AD27-6C8682856B7D}"/>
+              </a:ext>
+            </a:extLst>
+          </p:cNvPr>
+          <p:cNvSpPr>
+            <a:spLocks noGrp="1"/>
+          </p:cNvSpPr>
+          <p:nvPr>
+            <p:ph type="title"/>
+          </p:nvPr>
+        </p:nvSpPr>
+        <p:spPr/>
+        <p:txBody>
+          <a:bodyPr/>
+          <a:lstStyle/>
+          <a:p>
+            <a:endParaRPr lang="en-CH"/>
+          </a:p>
+        </p:txBody>
+      </p:sp>
+      <p:sp>
+        <p:nvSpPr>
+          <p:cNvPr id="5" name="Content Placeholder 4">
+            <a:extLst>
+              <a:ext uri="{FF2B5EF4-FFF2-40B4-BE49-F238E27FC236}">
+                <a16:creationId xmlns:a16="http://schemas.microsoft.com/office/drawing/2014/main" id="{8A87A6C8-72A1-737B-96BA-1AEFCAB55B0D}"/>
+              </a:ext>
+            </a:extLst>
+          </p:cNvPr>
+          <p:cNvSpPr>
+            <a:spLocks noGrp="1"/>
+          </p:cNvSpPr>
+          <p:nvPr>
+            <p:ph sz="quarter" idx="10"/>
+          </p:nvPr>
+        </p:nvSpPr>
+        <p:spPr/>
+        <p:txBody>
+          <a:bodyPr/>
+          <a:lstStyle/>
+          <a:p>
+            <a:endParaRPr lang="en-CH"/>
+          </a:p>
+        </p:txBody>
+      </p:sp>
+    </p:spTree>
+    <p:extLst>
+      <p:ext uri="{BB962C8B-B14F-4D97-AF65-F5344CB8AC3E}">
+        <p14:creationId xmlns:p14="http://schemas.microsoft.com/office/powerpoint/2010/main" val="667667959"/>
       </p:ext>
     </p:extLst>
   </p:cSld>
@@ -8192,6 +8366,22 @@
 </file>
 
 <file path=customXml/item1.xml><?xml version="1.0" encoding="utf-8"?>
+<p:properties xmlns:p="http://schemas.microsoft.com/office/2006/metadata/properties" xmlns:xsi="http://www.w3.org/2001/XMLSchema-instance" xmlns:pc="http://schemas.microsoft.com/office/infopath/2007/PartnerControls">
+  <documentManagement>
+    <Responsible xmlns="49d9e7ef-5d44-4367-90d6-2cc1a328c29d">
+      <UserInfo>
+        <DisplayName/>
+        <AccountId xsi:nil="true"/>
+        <AccountType/>
+      </UserInfo>
+    </Responsible>
+    <SecurityLevel xmlns="49d9e7ef-5d44-4367-90d6-2cc1a328c29d">internal</SecurityLevel>
+    <ValidTo xmlns="49d9e7ef-5d44-4367-90d6-2cc1a328c29d" xsi:nil="true"/>
+  </documentManagement>
+</p:properties>
+</file>
+
+<file path=customXml/item2.xml><?xml version="1.0" encoding="utf-8"?>
 <ct:contentTypeSchema xmlns:ct="http://schemas.microsoft.com/office/2006/metadata/contentType" xmlns:ma="http://schemas.microsoft.com/office/2006/metadata/properties/metaAttributes" ct:_="" ma:_="" ma:contentTypeName="GeneralDocType" ma:contentTypeID="0x0101001637CE4A8E76C4448E317F64D25C51140053B0137A43F09C44846777061E0F056A" ma:contentTypeVersion="44" ma:contentTypeDescription="" ma:contentTypeScope="" ma:versionID="2a2d05d53e7b3be4547158bc9b43f65d">
   <xsd:schema xmlns:xsd="http://www.w3.org/2001/XMLSchema" xmlns:xs="http://www.w3.org/2001/XMLSchema" xmlns:p="http://schemas.microsoft.com/office/2006/metadata/properties" xmlns:ns2="49d9e7ef-5d44-4367-90d6-2cc1a328c29d" xmlns:ns3="bd04218d-e560-4a5d-ad18-c196d2420a14" targetNamespace="http://schemas.microsoft.com/office/2006/metadata/properties" ma:root="true" ma:fieldsID="e20b88565520550da69d37cab28b1173" ns2:_="" ns3:_="">
     <xsd:import namespace="49d9e7ef-5d44-4367-90d6-2cc1a328c29d"/>
@@ -8445,7 +8635,7 @@
 </ct:contentTypeSchema>
 </file>
 
-<file path=customXml/item2.xml><?xml version="1.0" encoding="utf-8"?>
+<file path=customXml/item3.xml><?xml version="1.0" encoding="utf-8"?>
 <?mso-contentType ?>
 <FormTemplates xmlns="http://schemas.microsoft.com/sharepoint/v3/contenttype/forms">
   <Display>DocumentLibraryForm</Display>
@@ -8454,23 +8644,24 @@
 </FormTemplates>
 </file>
 
-<file path=customXml/item3.xml><?xml version="1.0" encoding="utf-8"?>
-<p:properties xmlns:p="http://schemas.microsoft.com/office/2006/metadata/properties" xmlns:xsi="http://www.w3.org/2001/XMLSchema-instance" xmlns:pc="http://schemas.microsoft.com/office/infopath/2007/PartnerControls">
-  <documentManagement>
-    <Responsible xmlns="49d9e7ef-5d44-4367-90d6-2cc1a328c29d">
-      <UserInfo>
-        <DisplayName/>
-        <AccountId xsi:nil="true"/>
-        <AccountType/>
-      </UserInfo>
-    </Responsible>
-    <SecurityLevel xmlns="49d9e7ef-5d44-4367-90d6-2cc1a328c29d">internal</SecurityLevel>
-    <ValidTo xmlns="49d9e7ef-5d44-4367-90d6-2cc1a328c29d" xsi:nil="true"/>
-  </documentManagement>
-</p:properties>
+<file path=customXml/itemProps1.xml><?xml version="1.0" encoding="utf-8"?>
+<ds:datastoreItem xmlns:ds="http://schemas.openxmlformats.org/officeDocument/2006/customXml" ds:itemID="{33EB2428-06DB-42A3-A94E-EC55E92563A2}">
+  <ds:schemaRefs>
+    <ds:schemaRef ds:uri="http://purl.org/dc/terms/"/>
+    <ds:schemaRef ds:uri="http://schemas.openxmlformats.org/package/2006/metadata/core-properties"/>
+    <ds:schemaRef ds:uri="http://purl.org/dc/dcmitype/"/>
+    <ds:schemaRef ds:uri="http://schemas.microsoft.com/office/2006/documentManagement/types"/>
+    <ds:schemaRef ds:uri="http://purl.org/dc/elements/1.1/"/>
+    <ds:schemaRef ds:uri="http://schemas.microsoft.com/office/2006/metadata/properties"/>
+    <ds:schemaRef ds:uri="http://schemas.microsoft.com/office/infopath/2007/PartnerControls"/>
+    <ds:schemaRef ds:uri="c4b9e184-14ce-443c-b89e-4fb866c8376b"/>
+    <ds:schemaRef ds:uri="http://www.w3.org/XML/1998/namespace"/>
+    <ds:schemaRef ds:uri="49d9e7ef-5d44-4367-90d6-2cc1a328c29d"/>
+  </ds:schemaRefs>
+</ds:datastoreItem>
 </file>
 
-<file path=customXml/itemProps1.xml><?xml version="1.0" encoding="utf-8"?>
+<file path=customXml/itemProps2.xml><?xml version="1.0" encoding="utf-8"?>
 <ds:datastoreItem xmlns:ds="http://schemas.openxmlformats.org/officeDocument/2006/customXml" ds:itemID="{3E992F7D-77EB-45D8-83EA-D9433BE24725}">
   <ds:schemaRefs>
     <ds:schemaRef ds:uri="http://schemas.microsoft.com/office/2006/metadata/contentType"/>
@@ -8489,27 +8680,10 @@
 </ds:datastoreItem>
 </file>
 
-<file path=customXml/itemProps2.xml><?xml version="1.0" encoding="utf-8"?>
+<file path=customXml/itemProps3.xml><?xml version="1.0" encoding="utf-8"?>
 <ds:datastoreItem xmlns:ds="http://schemas.openxmlformats.org/officeDocument/2006/customXml" ds:itemID="{FB963054-8648-43A2-92C9-BA1FDBC93AF4}">
   <ds:schemaRefs>
     <ds:schemaRef ds:uri="http://schemas.microsoft.com/sharepoint/v3/contenttype/forms"/>
   </ds:schemaRefs>
 </ds:datastoreItem>
-</file>
-
-<file path=customXml/itemProps3.xml><?xml version="1.0" encoding="utf-8"?>
-<ds:datastoreItem xmlns:ds="http://schemas.openxmlformats.org/officeDocument/2006/customXml" ds:itemID="{33EB2428-06DB-42A3-A94E-EC55E92563A2}">
-  <ds:schemaRefs>
-    <ds:schemaRef ds:uri="http://purl.org/dc/terms/"/>
-    <ds:schemaRef ds:uri="http://schemas.openxmlformats.org/package/2006/metadata/core-properties"/>
-    <ds:schemaRef ds:uri="http://purl.org/dc/dcmitype/"/>
-    <ds:schemaRef ds:uri="http://schemas.microsoft.com/office/2006/documentManagement/types"/>
-    <ds:schemaRef ds:uri="http://purl.org/dc/elements/1.1/"/>
-    <ds:schemaRef ds:uri="http://schemas.microsoft.com/office/2006/metadata/properties"/>
-    <ds:schemaRef ds:uri="http://schemas.microsoft.com/office/infopath/2007/PartnerControls"/>
-    <ds:schemaRef ds:uri="c4b9e184-14ce-443c-b89e-4fb866c8376b"/>
-    <ds:schemaRef ds:uri="http://www.w3.org/XML/1998/namespace"/>
-    <ds:schemaRef ds:uri="49d9e7ef-5d44-4367-90d6-2cc1a328c29d"/>
-  </ds:schemaRefs>
-</ds:datastoreItem>
 </file>